--- a/Angry chickens.pptx
+++ b/Angry chickens.pptx
@@ -110,6 +110,22 @@
       </a:defRPr>
     </a:lvl9pPr>
   </p:defaultTextStyle>
+  <p:extLst>
+    <p:ext uri="{EFAFB233-063F-42B5-8137-9DF3F51BA10A}">
+      <p15:sldGuideLst xmlns:p15="http://schemas.microsoft.com/office/powerpoint/2012/main">
+        <p15:guide id="1" orient="horz" pos="2160">
+          <p15:clr>
+            <a:srgbClr val="A4A3A4"/>
+          </p15:clr>
+        </p15:guide>
+        <p15:guide id="2" pos="2880">
+          <p15:clr>
+            <a:srgbClr val="A4A3A4"/>
+          </p15:clr>
+        </p15:guide>
+      </p15:sldGuideLst>
+    </p:ext>
+  </p:extLst>
 </p:presentation>
 </file>
 
@@ -3174,14 +3190,14 @@
           <a:p>
             <a:pPr algn="r"/>
             <a:r>
-              <a:rPr lang="ru-RU" sz="2400" dirty="0" err="1" smtClean="0">
+              <a:rPr lang="ru-RU" sz="2400" smtClean="0">
                 <a:solidFill>
                   <a:schemeClr val="accent6">
                     <a:lumMod val="50000"/>
                   </a:schemeClr>
                 </a:solidFill>
               </a:rPr>
-              <a:t>Ильечева</a:t>
+              <a:t>Ильичева </a:t>
             </a:r>
             <a:r>
               <a:rPr lang="ru-RU" sz="2400" dirty="0" smtClean="0">
@@ -3191,17 +3207,20 @@
                   </a:schemeClr>
                 </a:solidFill>
               </a:rPr>
-              <a:t> </a:t>
-            </a:r>
-            <a:r>
-              <a:rPr lang="ru-RU" sz="2400" dirty="0" smtClean="0">
+              <a:t>Анастасия Игоревна</a:t>
+            </a:r>
+          </a:p>
+          <a:p>
+            <a:pPr algn="r"/>
+            <a:r>
+              <a:rPr lang="ru-RU" sz="2400" dirty="0" err="1" smtClean="0">
                 <a:solidFill>
                   <a:schemeClr val="accent6">
                     <a:lumMod val="50000"/>
                   </a:schemeClr>
                 </a:solidFill>
               </a:rPr>
-              <a:t>Анастасия </a:t>
+              <a:t>Илясова</a:t>
             </a:r>
             <a:r>
               <a:rPr lang="ru-RU" sz="2400" dirty="0" smtClean="0">
@@ -3211,21 +3230,21 @@
                   </a:schemeClr>
                 </a:solidFill>
               </a:rPr>
-              <a:t>Игоревна</a:t>
-            </a:r>
-          </a:p>
-          <a:p>
-            <a:pPr algn="r"/>
-            <a:r>
-              <a:rPr lang="ru-RU" sz="2400" dirty="0" err="1" smtClean="0">
+              <a:t> </a:t>
+            </a:r>
+            <a:r>
+              <a:rPr lang="ru-RU" sz="2400" dirty="0">
                 <a:solidFill>
                   <a:schemeClr val="accent6">
                     <a:lumMod val="50000"/>
                   </a:schemeClr>
                 </a:solidFill>
               </a:rPr>
-              <a:t>Илясова</a:t>
-            </a:r>
+              <a:t>Софи Евгеньевна</a:t>
+            </a:r>
+          </a:p>
+          <a:p>
+            <a:pPr algn="r"/>
             <a:r>
               <a:rPr lang="ru-RU" sz="2400" dirty="0" smtClean="0">
                 <a:solidFill>
@@ -3236,36 +3255,6 @@
               </a:rPr>
               <a:t> </a:t>
             </a:r>
-            <a:r>
-              <a:rPr lang="ru-RU" sz="2400" dirty="0">
-                <a:solidFill>
-                  <a:schemeClr val="accent6">
-                    <a:lumMod val="50000"/>
-                  </a:schemeClr>
-                </a:solidFill>
-              </a:rPr>
-              <a:t>Софи Евгеньевна</a:t>
-            </a:r>
-          </a:p>
-          <a:p>
-            <a:pPr algn="r"/>
-            <a:r>
-              <a:rPr lang="ru-RU" sz="2400" dirty="0" smtClean="0">
-                <a:solidFill>
-                  <a:schemeClr val="accent6">
-                    <a:lumMod val="50000"/>
-                  </a:schemeClr>
-                </a:solidFill>
-              </a:rPr>
-              <a:t> </a:t>
-            </a:r>
-            <a:endParaRPr lang="ru-RU" sz="2400" dirty="0" smtClean="0">
-              <a:solidFill>
-                <a:schemeClr val="accent6">
-                  <a:lumMod val="50000"/>
-                </a:schemeClr>
-              </a:solidFill>
-            </a:endParaRPr>
           </a:p>
         </p:txBody>
       </p:sp>
